--- a/CSI3002 Applied Cryptography and Network Security/reference materials/module-4/22_1_Message Authentication.pptx
+++ b/CSI3002 Applied Cryptography and Network Security/reference materials/module-4/22_1_Message Authentication.pptx
@@ -217,7 +217,7 @@
           <a:p>
             <a:fld id="{37798139-09CA-48CB-8CDA-035F58EA1E08}" type="datetimeFigureOut">
               <a:rPr lang="en-IN" smtClean="0"/>
-              <a:t>02/05/22</a:t>
+              <a:t>05/05/22</a:t>
             </a:fld>
             <a:endParaRPr lang="en-IN"/>
           </a:p>
@@ -861,7 +861,7 @@
           <a:p>
             <a:fld id="{797F2463-A982-4AB9-994A-DD70319C6C4E}" type="datetimeFigureOut">
               <a:rPr lang="en-IN" smtClean="0"/>
-              <a:t>02/05/22</a:t>
+              <a:t>05/05/22</a:t>
             </a:fld>
             <a:endParaRPr lang="en-IN"/>
           </a:p>
@@ -1031,7 +1031,7 @@
           <a:p>
             <a:fld id="{797F2463-A982-4AB9-994A-DD70319C6C4E}" type="datetimeFigureOut">
               <a:rPr lang="en-IN" smtClean="0"/>
-              <a:t>02/05/22</a:t>
+              <a:t>05/05/22</a:t>
             </a:fld>
             <a:endParaRPr lang="en-IN"/>
           </a:p>
@@ -1211,7 +1211,7 @@
           <a:p>
             <a:fld id="{797F2463-A982-4AB9-994A-DD70319C6C4E}" type="datetimeFigureOut">
               <a:rPr lang="en-IN" smtClean="0"/>
-              <a:t>02/05/22</a:t>
+              <a:t>05/05/22</a:t>
             </a:fld>
             <a:endParaRPr lang="en-IN"/>
           </a:p>
@@ -1381,7 +1381,7 @@
           <a:p>
             <a:fld id="{797F2463-A982-4AB9-994A-DD70319C6C4E}" type="datetimeFigureOut">
               <a:rPr lang="en-IN" smtClean="0"/>
-              <a:t>02/05/22</a:t>
+              <a:t>05/05/22</a:t>
             </a:fld>
             <a:endParaRPr lang="en-IN"/>
           </a:p>
@@ -1627,7 +1627,7 @@
           <a:p>
             <a:fld id="{797F2463-A982-4AB9-994A-DD70319C6C4E}" type="datetimeFigureOut">
               <a:rPr lang="en-IN" smtClean="0"/>
-              <a:t>02/05/22</a:t>
+              <a:t>05/05/22</a:t>
             </a:fld>
             <a:endParaRPr lang="en-IN"/>
           </a:p>
@@ -1859,7 +1859,7 @@
           <a:p>
             <a:fld id="{797F2463-A982-4AB9-994A-DD70319C6C4E}" type="datetimeFigureOut">
               <a:rPr lang="en-IN" smtClean="0"/>
-              <a:t>02/05/22</a:t>
+              <a:t>05/05/22</a:t>
             </a:fld>
             <a:endParaRPr lang="en-IN"/>
           </a:p>
@@ -2226,7 +2226,7 @@
           <a:p>
             <a:fld id="{797F2463-A982-4AB9-994A-DD70319C6C4E}" type="datetimeFigureOut">
               <a:rPr lang="en-IN" smtClean="0"/>
-              <a:t>02/05/22</a:t>
+              <a:t>05/05/22</a:t>
             </a:fld>
             <a:endParaRPr lang="en-IN"/>
           </a:p>
@@ -2344,7 +2344,7 @@
           <a:p>
             <a:fld id="{797F2463-A982-4AB9-994A-DD70319C6C4E}" type="datetimeFigureOut">
               <a:rPr lang="en-IN" smtClean="0"/>
-              <a:t>02/05/22</a:t>
+              <a:t>05/05/22</a:t>
             </a:fld>
             <a:endParaRPr lang="en-IN"/>
           </a:p>
@@ -2439,7 +2439,7 @@
           <a:p>
             <a:fld id="{797F2463-A982-4AB9-994A-DD70319C6C4E}" type="datetimeFigureOut">
               <a:rPr lang="en-IN" smtClean="0"/>
-              <a:t>02/05/22</a:t>
+              <a:t>05/05/22</a:t>
             </a:fld>
             <a:endParaRPr lang="en-IN"/>
           </a:p>
@@ -2716,7 +2716,7 @@
           <a:p>
             <a:fld id="{797F2463-A982-4AB9-994A-DD70319C6C4E}" type="datetimeFigureOut">
               <a:rPr lang="en-IN" smtClean="0"/>
-              <a:t>02/05/22</a:t>
+              <a:t>05/05/22</a:t>
             </a:fld>
             <a:endParaRPr lang="en-IN"/>
           </a:p>
@@ -2969,7 +2969,7 @@
           <a:p>
             <a:fld id="{797F2463-A982-4AB9-994A-DD70319C6C4E}" type="datetimeFigureOut">
               <a:rPr lang="en-IN" smtClean="0"/>
-              <a:t>02/05/22</a:t>
+              <a:t>05/05/22</a:t>
             </a:fld>
             <a:endParaRPr lang="en-IN"/>
           </a:p>
@@ -3182,7 +3182,7 @@
           <a:p>
             <a:fld id="{797F2463-A982-4AB9-994A-DD70319C6C4E}" type="datetimeFigureOut">
               <a:rPr lang="en-IN" smtClean="0"/>
-              <a:t>02/05/22</a:t>
+              <a:t>05/05/22</a:t>
             </a:fld>
             <a:endParaRPr lang="en-IN"/>
           </a:p>
@@ -6789,44 +6789,6 @@
           <a:chExt cx="0" cy="0"/>
         </a:xfrm>
       </p:grpSpPr>
-      <p:sp>
-        <p:nvSpPr>
-          <p:cNvPr id="2" name="Title 1"/>
-          <p:cNvSpPr>
-            <a:spLocks noGrp="1"/>
-          </p:cNvSpPr>
-          <p:nvPr>
-            <p:ph type="title"/>
-          </p:nvPr>
-        </p:nvSpPr>
-        <p:spPr/>
-        <p:txBody>
-          <a:bodyPr/>
-          <a:lstStyle/>
-          <a:p>
-            <a:endParaRPr lang="en-IN"/>
-          </a:p>
-        </p:txBody>
-      </p:sp>
-      <p:sp>
-        <p:nvSpPr>
-          <p:cNvPr id="3" name="Content Placeholder 2"/>
-          <p:cNvSpPr>
-            <a:spLocks noGrp="1"/>
-          </p:cNvSpPr>
-          <p:nvPr>
-            <p:ph idx="1"/>
-          </p:nvPr>
-        </p:nvSpPr>
-        <p:spPr/>
-        <p:txBody>
-          <a:bodyPr/>
-          <a:lstStyle/>
-          <a:p>
-            <a:endParaRPr lang="en-IN"/>
-          </a:p>
-        </p:txBody>
-      </p:sp>
       <p:pic>
         <p:nvPicPr>
           <p:cNvPr id="4" name="Picture 3"/>
